--- a/Project presentation.pptx
+++ b/Project presentation.pptx
@@ -297,7 +297,7 @@
             <a:fld id="{5B106E36-FD25-4E2D-B0AA-010F637433A0}" type="datetimeFigureOut">
               <a:rPr lang="ru-RU" smtClean="0"/>
               <a:pPr/>
-              <a:t>22.04.2019</a:t>
+              <a:t>25.04.2019</a:t>
             </a:fld>
             <a:endParaRPr lang="ru-RU"/>
           </a:p>
@@ -464,7 +464,7 @@
             <a:fld id="{5B106E36-FD25-4E2D-B0AA-010F637433A0}" type="datetimeFigureOut">
               <a:rPr lang="ru-RU" smtClean="0"/>
               <a:pPr/>
-              <a:t>22.04.2019</a:t>
+              <a:t>25.04.2019</a:t>
             </a:fld>
             <a:endParaRPr lang="ru-RU"/>
           </a:p>
@@ -641,7 +641,7 @@
             <a:fld id="{5B106E36-FD25-4E2D-B0AA-010F637433A0}" type="datetimeFigureOut">
               <a:rPr lang="ru-RU" smtClean="0"/>
               <a:pPr/>
-              <a:t>22.04.2019</a:t>
+              <a:t>25.04.2019</a:t>
             </a:fld>
             <a:endParaRPr lang="ru-RU"/>
           </a:p>
@@ -808,7 +808,7 @@
             <a:fld id="{5B106E36-FD25-4E2D-B0AA-010F637433A0}" type="datetimeFigureOut">
               <a:rPr lang="ru-RU" smtClean="0"/>
               <a:pPr/>
-              <a:t>22.04.2019</a:t>
+              <a:t>25.04.2019</a:t>
             </a:fld>
             <a:endParaRPr lang="ru-RU"/>
           </a:p>
@@ -1051,7 +1051,7 @@
             <a:fld id="{5B106E36-FD25-4E2D-B0AA-010F637433A0}" type="datetimeFigureOut">
               <a:rPr lang="ru-RU" smtClean="0"/>
               <a:pPr/>
-              <a:t>22.04.2019</a:t>
+              <a:t>25.04.2019</a:t>
             </a:fld>
             <a:endParaRPr lang="ru-RU"/>
           </a:p>
@@ -1336,7 +1336,7 @@
             <a:fld id="{5B106E36-FD25-4E2D-B0AA-010F637433A0}" type="datetimeFigureOut">
               <a:rPr lang="ru-RU" smtClean="0"/>
               <a:pPr/>
-              <a:t>22.04.2019</a:t>
+              <a:t>25.04.2019</a:t>
             </a:fld>
             <a:endParaRPr lang="ru-RU"/>
           </a:p>
@@ -1755,7 +1755,7 @@
             <a:fld id="{5B106E36-FD25-4E2D-B0AA-010F637433A0}" type="datetimeFigureOut">
               <a:rPr lang="ru-RU" smtClean="0"/>
               <a:pPr/>
-              <a:t>22.04.2019</a:t>
+              <a:t>25.04.2019</a:t>
             </a:fld>
             <a:endParaRPr lang="ru-RU"/>
           </a:p>
@@ -1870,7 +1870,7 @@
             <a:fld id="{5B106E36-FD25-4E2D-B0AA-010F637433A0}" type="datetimeFigureOut">
               <a:rPr lang="ru-RU" smtClean="0"/>
               <a:pPr/>
-              <a:t>22.04.2019</a:t>
+              <a:t>25.04.2019</a:t>
             </a:fld>
             <a:endParaRPr lang="ru-RU"/>
           </a:p>
@@ -1962,7 +1962,7 @@
             <a:fld id="{5B106E36-FD25-4E2D-B0AA-010F637433A0}" type="datetimeFigureOut">
               <a:rPr lang="ru-RU" smtClean="0"/>
               <a:pPr/>
-              <a:t>22.04.2019</a:t>
+              <a:t>25.04.2019</a:t>
             </a:fld>
             <a:endParaRPr lang="ru-RU"/>
           </a:p>
@@ -2236,7 +2236,7 @@
             <a:fld id="{5B106E36-FD25-4E2D-B0AA-010F637433A0}" type="datetimeFigureOut">
               <a:rPr lang="ru-RU" smtClean="0"/>
               <a:pPr/>
-              <a:t>22.04.2019</a:t>
+              <a:t>25.04.2019</a:t>
             </a:fld>
             <a:endParaRPr lang="ru-RU"/>
           </a:p>
@@ -2486,7 +2486,7 @@
             <a:fld id="{5B106E36-FD25-4E2D-B0AA-010F637433A0}" type="datetimeFigureOut">
               <a:rPr lang="ru-RU" smtClean="0"/>
               <a:pPr/>
-              <a:t>22.04.2019</a:t>
+              <a:t>25.04.2019</a:t>
             </a:fld>
             <a:endParaRPr lang="ru-RU"/>
           </a:p>
@@ -2696,7 +2696,7 @@
             <a:fld id="{5B106E36-FD25-4E2D-B0AA-010F637433A0}" type="datetimeFigureOut">
               <a:rPr lang="ru-RU" smtClean="0"/>
               <a:pPr/>
-              <a:t>22.04.2019</a:t>
+              <a:t>25.04.2019</a:t>
             </a:fld>
             <a:endParaRPr lang="ru-RU"/>
           </a:p>
@@ -4644,31 +4644,7 @@
                   <a:schemeClr val="tx1"/>
                 </a:solidFill>
               </a:rPr>
-              <a:t>Пользователь может посмотреть и другие подходящие объекты. При наличии таких данных, </a:t>
-            </a:r>
-            <a:r>
-              <a:rPr lang="ru-RU" sz="2000" dirty="0" smtClean="0">
-                <a:solidFill>
-                  <a:schemeClr val="tx1"/>
-                </a:solidFill>
-              </a:rPr>
-              <a:t>он </a:t>
-            </a:r>
-            <a:r>
-              <a:rPr lang="ru-RU" sz="2000" dirty="0" smtClean="0">
-                <a:solidFill>
-                  <a:schemeClr val="tx1"/>
-                </a:solidFill>
-              </a:rPr>
-              <a:t>может </a:t>
-            </a:r>
-            <a:r>
-              <a:rPr lang="ru-RU" sz="2000" dirty="0" smtClean="0">
-                <a:solidFill>
-                  <a:schemeClr val="tx1"/>
-                </a:solidFill>
-              </a:rPr>
-              <a:t>посмотреть контактную информацию и перейти на сайт организации нажатием на соответствующую кнопку.</a:t>
+              <a:t>Пользователь может посмотреть и другие подходящие объекты. При наличии таких данных, он может посмотреть контактную информацию и перейти на сайт организации нажатием на соответствующую кнопку.</a:t>
             </a:r>
             <a:endParaRPr lang="ru-RU" sz="2000" dirty="0">
               <a:solidFill>
@@ -5596,12 +5572,12 @@
               <a:t>находится </a:t>
             </a:r>
             <a:r>
-              <a:rPr lang="ru-RU" sz="2000" dirty="0" err="1" smtClean="0">
+              <a:rPr lang="ru-RU" sz="2000" dirty="0" smtClean="0">
                 <a:solidFill>
                   <a:schemeClr val="tx1"/>
                 </a:solidFill>
               </a:rPr>
-              <a:t>скрипт</a:t>
+              <a:t>консольное приложение</a:t>
             </a:r>
             <a:r>
               <a:rPr lang="ru-RU" sz="2000" dirty="0" smtClean="0">
@@ -5609,15 +5585,15 @@
                   <a:schemeClr val="tx1"/>
                 </a:solidFill>
               </a:rPr>
-              <a:t> для очистки хранилища </a:t>
-            </a:r>
-            <a:r>
-              <a:rPr lang="ru-RU" sz="2000" dirty="0" err="1" smtClean="0">
+              <a:t> </a:t>
+            </a:r>
+            <a:r>
+              <a:rPr lang="ru-RU" sz="2000" dirty="0" smtClean="0">
                 <a:solidFill>
                   <a:schemeClr val="tx1"/>
                 </a:solidFill>
               </a:rPr>
-              <a:t>неудалённых</a:t>
+              <a:t>для очистки хранилища </a:t>
             </a:r>
             <a:r>
               <a:rPr lang="ru-RU" sz="2000" dirty="0" smtClean="0">
@@ -5625,7 +5601,15 @@
                   <a:schemeClr val="tx1"/>
                 </a:solidFill>
               </a:rPr>
-              <a:t> изображений.</a:t>
+              <a:t>не удалённых </a:t>
+            </a:r>
+            <a:r>
+              <a:rPr lang="ru-RU" sz="2000" dirty="0" smtClean="0">
+                <a:solidFill>
+                  <a:schemeClr val="tx1"/>
+                </a:solidFill>
+              </a:rPr>
+              <a:t>изображений.</a:t>
             </a:r>
           </a:p>
           <a:p>
@@ -5669,8 +5653,8 @@
         </p:blipFill>
         <p:spPr bwMode="auto">
           <a:xfrm>
-            <a:off x="2627784" y="4005064"/>
-            <a:ext cx="3876675" cy="1571625"/>
+            <a:off x="2378156" y="3933056"/>
+            <a:ext cx="4231915" cy="1715641"/>
           </a:xfrm>
           <a:prstGeom prst="rect">
             <a:avLst/>
@@ -5717,7 +5701,7 @@
         </p:nvSpPr>
         <p:spPr>
           <a:xfrm>
-            <a:off x="3347864" y="3501008"/>
+            <a:off x="3347864" y="3356992"/>
             <a:ext cx="2592288" cy="2592288"/>
           </a:xfrm>
           <a:prstGeom prst="ellipse">
@@ -5763,7 +5747,7 @@
         </p:nvSpPr>
         <p:spPr>
           <a:xfrm>
-            <a:off x="3563888" y="5229200"/>
+            <a:off x="3563888" y="5085184"/>
             <a:ext cx="2160240" cy="369332"/>
           </a:xfrm>
           <a:prstGeom prst="rect">
@@ -5811,7 +5795,7 @@
         </p:blipFill>
         <p:spPr bwMode="auto">
           <a:xfrm>
-            <a:off x="4283968" y="3717032"/>
+            <a:off x="4283968" y="3573016"/>
             <a:ext cx="710208" cy="710208"/>
           </a:xfrm>
           <a:prstGeom prst="rect">
@@ -5837,7 +5821,7 @@
         </p:blipFill>
         <p:spPr bwMode="auto">
           <a:xfrm>
-            <a:off x="4283968" y="4581128"/>
+            <a:off x="4283968" y="4437112"/>
             <a:ext cx="710208" cy="710208"/>
           </a:xfrm>
           <a:prstGeom prst="rect">
@@ -5863,7 +5847,7 @@
         </p:blipFill>
         <p:spPr bwMode="auto">
           <a:xfrm>
-            <a:off x="5148064" y="4077072"/>
+            <a:off x="5148064" y="3933056"/>
             <a:ext cx="648072" cy="648072"/>
           </a:xfrm>
           <a:prstGeom prst="rect">
@@ -5889,7 +5873,7 @@
         </p:blipFill>
         <p:spPr bwMode="auto">
           <a:xfrm>
-            <a:off x="3491880" y="4077072"/>
+            <a:off x="3491880" y="3933056"/>
             <a:ext cx="648072" cy="648072"/>
           </a:xfrm>
           <a:prstGeom prst="rect">
@@ -5906,8 +5890,8 @@
         </p:nvSpPr>
         <p:spPr>
           <a:xfrm>
-            <a:off x="6732240" y="2060848"/>
-            <a:ext cx="2016224" cy="3744416"/>
+            <a:off x="6732240" y="1916832"/>
+            <a:ext cx="2016224" cy="3888432"/>
           </a:xfrm>
           <a:prstGeom prst="roundRect">
             <a:avLst/>
@@ -5952,7 +5936,7 @@
         </p:nvSpPr>
         <p:spPr>
           <a:xfrm>
-            <a:off x="6876256" y="2204864"/>
+            <a:off x="6876256" y="2060848"/>
             <a:ext cx="1728192" cy="792088"/>
           </a:xfrm>
           <a:prstGeom prst="roundRect">
@@ -6024,7 +6008,7 @@
         </p:nvSpPr>
         <p:spPr>
           <a:xfrm>
-            <a:off x="6876256" y="3284984"/>
+            <a:off x="6876256" y="3140968"/>
             <a:ext cx="1728192" cy="792088"/>
           </a:xfrm>
           <a:prstGeom prst="roundRect">
@@ -6085,7 +6069,7 @@
         </p:nvSpPr>
         <p:spPr>
           <a:xfrm>
-            <a:off x="6876256" y="4365104"/>
+            <a:off x="6876256" y="4221088"/>
             <a:ext cx="1728192" cy="792088"/>
           </a:xfrm>
           <a:prstGeom prst="roundRect">
@@ -6157,7 +6141,7 @@
         </p:nvSpPr>
         <p:spPr>
           <a:xfrm>
-            <a:off x="6804248" y="5301208"/>
+            <a:off x="6804248" y="5157192"/>
             <a:ext cx="1800200" cy="369332"/>
           </a:xfrm>
           <a:prstGeom prst="rect">
@@ -6220,7 +6204,7 @@
         </p:nvSpPr>
         <p:spPr>
           <a:xfrm>
-            <a:off x="539552" y="5085184"/>
+            <a:off x="539552" y="4941168"/>
             <a:ext cx="2304256" cy="1124744"/>
           </a:xfrm>
           <a:prstGeom prst="round2SameRect">
@@ -6269,7 +6253,7 @@
         </p:nvSpPr>
         <p:spPr>
           <a:xfrm>
-            <a:off x="539552" y="5805264"/>
+            <a:off x="539552" y="5661248"/>
             <a:ext cx="2232248" cy="369332"/>
           </a:xfrm>
           <a:prstGeom prst="rect">
@@ -6317,7 +6301,7 @@
         </p:blipFill>
         <p:spPr bwMode="auto">
           <a:xfrm>
-            <a:off x="1331640" y="5157192"/>
+            <a:off x="1331640" y="5013176"/>
             <a:ext cx="710208" cy="710208"/>
           </a:xfrm>
           <a:prstGeom prst="rect">
@@ -6334,7 +6318,7 @@
         </p:nvSpPr>
         <p:spPr>
           <a:xfrm>
-            <a:off x="611560" y="2060848"/>
+            <a:off x="611560" y="1916832"/>
             <a:ext cx="1800200" cy="1656184"/>
           </a:xfrm>
           <a:prstGeom prst="roundRect">
@@ -6382,7 +6366,7 @@
         </p:nvSpPr>
         <p:spPr>
           <a:xfrm>
-            <a:off x="467544" y="2852936"/>
+            <a:off x="467544" y="2708920"/>
             <a:ext cx="2016224" cy="646331"/>
           </a:xfrm>
           <a:prstGeom prst="rect">
@@ -6413,7 +6397,7 @@
         </p:nvSpPr>
         <p:spPr>
           <a:xfrm>
-            <a:off x="539552" y="2132856"/>
+            <a:off x="539552" y="1988840"/>
             <a:ext cx="2016224" cy="338554"/>
           </a:xfrm>
           <a:prstGeom prst="rect">
@@ -6444,7 +6428,7 @@
         </p:nvSpPr>
         <p:spPr>
           <a:xfrm>
-            <a:off x="3347864" y="620688"/>
+            <a:off x="3347864" y="476672"/>
             <a:ext cx="2304256" cy="2304256"/>
           </a:xfrm>
           <a:prstGeom prst="ellipse">
@@ -6490,7 +6474,7 @@
         </p:nvSpPr>
         <p:spPr>
           <a:xfrm>
-            <a:off x="3203848" y="1700808"/>
+            <a:off x="3203848" y="1556792"/>
             <a:ext cx="2592288" cy="216024"/>
           </a:xfrm>
           <a:prstGeom prst="rect">
@@ -6536,7 +6520,7 @@
         </p:nvCxnSpPr>
         <p:spPr>
           <a:xfrm>
-            <a:off x="251520" y="1916832"/>
+            <a:off x="251520" y="1772816"/>
             <a:ext cx="8568952" cy="0"/>
           </a:xfrm>
           <a:prstGeom prst="line">
@@ -6571,7 +6555,7 @@
         </p:nvSpPr>
         <p:spPr>
           <a:xfrm>
-            <a:off x="3563888" y="1196752"/>
+            <a:off x="3563888" y="1052736"/>
             <a:ext cx="1800200" cy="369332"/>
           </a:xfrm>
           <a:prstGeom prst="rect">
@@ -6610,7 +6594,7 @@
         </p:nvSpPr>
         <p:spPr>
           <a:xfrm>
-            <a:off x="3635896" y="2060848"/>
+            <a:off x="3635896" y="1916832"/>
             <a:ext cx="1656184" cy="369332"/>
           </a:xfrm>
           <a:prstGeom prst="rect">
@@ -6651,7 +6635,7 @@
         </p:nvCxnSpPr>
         <p:spPr>
           <a:xfrm flipH="1" flipV="1">
-            <a:off x="1619672" y="3717032"/>
+            <a:off x="1619672" y="3573016"/>
             <a:ext cx="72008" cy="1368152"/>
           </a:xfrm>
           <a:prstGeom prst="straightConnector1">
@@ -6685,7 +6669,7 @@
         </p:nvCxnSpPr>
         <p:spPr>
           <a:xfrm flipH="1" flipV="1">
-            <a:off x="2411760" y="3573016"/>
+            <a:off x="2411760" y="3429000"/>
             <a:ext cx="1080120" cy="648072"/>
           </a:xfrm>
           <a:prstGeom prst="straightConnector1">
@@ -6721,7 +6705,7 @@
         </p:nvCxnSpPr>
         <p:spPr>
           <a:xfrm flipV="1">
-            <a:off x="2411760" y="2587494"/>
+            <a:off x="2411760" y="2443478"/>
             <a:ext cx="1273555" cy="301446"/>
           </a:xfrm>
           <a:prstGeom prst="straightConnector1">
@@ -6757,7 +6741,7 @@
         </p:nvCxnSpPr>
         <p:spPr>
           <a:xfrm flipV="1">
-            <a:off x="5560520" y="2780928"/>
+            <a:off x="5560520" y="2636912"/>
             <a:ext cx="1171720" cy="1099712"/>
           </a:xfrm>
           <a:prstGeom prst="straightConnector1">
@@ -6791,7 +6775,7 @@
         </p:nvCxnSpPr>
         <p:spPr>
           <a:xfrm flipV="1">
-            <a:off x="5868144" y="3861048"/>
+            <a:off x="5868144" y="3717032"/>
             <a:ext cx="864096" cy="432048"/>
           </a:xfrm>
           <a:prstGeom prst="straightConnector1">
@@ -6825,7 +6809,7 @@
         </p:nvCxnSpPr>
         <p:spPr>
           <a:xfrm>
-            <a:off x="5940152" y="4725144"/>
+            <a:off x="5940152" y="4581128"/>
             <a:ext cx="792088" cy="0"/>
           </a:xfrm>
           <a:prstGeom prst="straightConnector1">
@@ -6861,7 +6845,7 @@
         </p:nvCxnSpPr>
         <p:spPr>
           <a:xfrm>
-            <a:off x="4499992" y="2924944"/>
+            <a:off x="4499992" y="2780928"/>
             <a:ext cx="72008" cy="576064"/>
           </a:xfrm>
           <a:prstGeom prst="straightConnector1">
@@ -7092,7 +7076,7 @@
                   <a:schemeClr val="tx1"/>
                 </a:solidFill>
               </a:rPr>
-              <a:t>Улучшенный речевой интерфейс</a:t>
+              <a:t>Доработанные диалоги</a:t>
             </a:r>
           </a:p>
           <a:p>
@@ -7106,7 +7090,15 @@
                   <a:schemeClr val="tx1"/>
                 </a:solidFill>
               </a:rPr>
-              <a:t>Доработка карты (иногда объекты не помещаются на карте)</a:t>
+              <a:t>Доработка </a:t>
+            </a:r>
+            <a:r>
+              <a:rPr lang="ru-RU" sz="2000" dirty="0" smtClean="0">
+                <a:solidFill>
+                  <a:schemeClr val="tx1"/>
+                </a:solidFill>
+              </a:rPr>
+              <a:t>карты (иногда объекты не помещаются на карте)</a:t>
             </a:r>
           </a:p>
           <a:p>
